--- a/Documents/Blockchain Presentation.pptx
+++ b/Documents/Blockchain Presentation.pptx
@@ -7,11 +7,15 @@
   <p:sldIdLst>
     <p:sldId id="258" r:id="rId2"/>
     <p:sldId id="259" r:id="rId3"/>
-    <p:sldId id="260" r:id="rId4"/>
-    <p:sldId id="268" r:id="rId5"/>
-    <p:sldId id="269" r:id="rId6"/>
-    <p:sldId id="270" r:id="rId7"/>
-    <p:sldId id="267" r:id="rId8"/>
+    <p:sldId id="271" r:id="rId4"/>
+    <p:sldId id="272" r:id="rId5"/>
+    <p:sldId id="273" r:id="rId6"/>
+    <p:sldId id="274" r:id="rId7"/>
+    <p:sldId id="268" r:id="rId8"/>
+    <p:sldId id="260" r:id="rId9"/>
+    <p:sldId id="269" r:id="rId10"/>
+    <p:sldId id="270" r:id="rId11"/>
+    <p:sldId id="267" r:id="rId12"/>
   </p:sldIdLst>
   <p:sldSz cx="12192000" cy="6858000"/>
   <p:notesSz cx="6858000" cy="9144000"/>
@@ -122,6 +126,7 @@
 <p1510:revInfo xmlns:a="http://schemas.openxmlformats.org/drawingml/2006/main" xmlns:r="http://schemas.openxmlformats.org/officeDocument/2006/relationships" xmlns:p1510="http://schemas.microsoft.com/office/powerpoint/2015/10/main">
   <p1510:revLst>
     <p1510:client id="{09BABBE5-46C7-4730-958B-2FBF82E49AB6}" v="738" dt="2019-11-08T17:20:31.389"/>
+    <p1510:client id="{24868AA8-9FCC-491B-8CE5-E3F5518D0110}" v="341" dt="2019-11-09T11:19:51.257"/>
     <p1510:client id="{D1DAEE63-DBEA-4304-BAD2-CE531157A3C7}" v="1312" dt="2019-11-08T11:21:28.605"/>
   </p1510:revLst>
 </p1510:revInfo>
@@ -258,7 +263,7 @@
           <a:p>
             <a:fld id="{846CE7D5-CF57-46EF-B807-FDD0502418D4}" type="datetimeFigureOut">
               <a:rPr lang="en-US" smtClean="0"/>
-              <a:t>11/8/2019</a:t>
+              <a:t>11/9/2019</a:t>
             </a:fld>
             <a:endParaRPr lang="en-US"/>
           </a:p>
@@ -428,7 +433,7 @@
           <a:p>
             <a:fld id="{846CE7D5-CF57-46EF-B807-FDD0502418D4}" type="datetimeFigureOut">
               <a:rPr lang="en-US" smtClean="0"/>
-              <a:t>11/8/2019</a:t>
+              <a:t>11/9/2019</a:t>
             </a:fld>
             <a:endParaRPr lang="en-US"/>
           </a:p>
@@ -608,7 +613,7 @@
           <a:p>
             <a:fld id="{846CE7D5-CF57-46EF-B807-FDD0502418D4}" type="datetimeFigureOut">
               <a:rPr lang="en-US" smtClean="0"/>
-              <a:t>11/8/2019</a:t>
+              <a:t>11/9/2019</a:t>
             </a:fld>
             <a:endParaRPr lang="en-US"/>
           </a:p>
@@ -778,7 +783,7 @@
           <a:p>
             <a:fld id="{846CE7D5-CF57-46EF-B807-FDD0502418D4}" type="datetimeFigureOut">
               <a:rPr lang="en-US" smtClean="0"/>
-              <a:t>11/8/2019</a:t>
+              <a:t>11/9/2019</a:t>
             </a:fld>
             <a:endParaRPr lang="en-US"/>
           </a:p>
@@ -1024,7 +1029,7 @@
           <a:p>
             <a:fld id="{846CE7D5-CF57-46EF-B807-FDD0502418D4}" type="datetimeFigureOut">
               <a:rPr lang="en-US" smtClean="0"/>
-              <a:t>11/8/2019</a:t>
+              <a:t>11/9/2019</a:t>
             </a:fld>
             <a:endParaRPr lang="en-US"/>
           </a:p>
@@ -1256,7 +1261,7 @@
           <a:p>
             <a:fld id="{846CE7D5-CF57-46EF-B807-FDD0502418D4}" type="datetimeFigureOut">
               <a:rPr lang="en-US" smtClean="0"/>
-              <a:t>11/8/2019</a:t>
+              <a:t>11/9/2019</a:t>
             </a:fld>
             <a:endParaRPr lang="en-US"/>
           </a:p>
@@ -1623,7 +1628,7 @@
           <a:p>
             <a:fld id="{846CE7D5-CF57-46EF-B807-FDD0502418D4}" type="datetimeFigureOut">
               <a:rPr lang="en-US" smtClean="0"/>
-              <a:t>11/8/2019</a:t>
+              <a:t>11/9/2019</a:t>
             </a:fld>
             <a:endParaRPr lang="en-US"/>
           </a:p>
@@ -1741,7 +1746,7 @@
           <a:p>
             <a:fld id="{846CE7D5-CF57-46EF-B807-FDD0502418D4}" type="datetimeFigureOut">
               <a:rPr lang="en-US" smtClean="0"/>
-              <a:t>11/8/2019</a:t>
+              <a:t>11/9/2019</a:t>
             </a:fld>
             <a:endParaRPr lang="en-US"/>
           </a:p>
@@ -1836,7 +1841,7 @@
           <a:p>
             <a:fld id="{846CE7D5-CF57-46EF-B807-FDD0502418D4}" type="datetimeFigureOut">
               <a:rPr lang="en-US" smtClean="0"/>
-              <a:t>11/8/2019</a:t>
+              <a:t>11/9/2019</a:t>
             </a:fld>
             <a:endParaRPr lang="en-US"/>
           </a:p>
@@ -2113,7 +2118,7 @@
           <a:p>
             <a:fld id="{846CE7D5-CF57-46EF-B807-FDD0502418D4}" type="datetimeFigureOut">
               <a:rPr lang="en-US" smtClean="0"/>
-              <a:t>11/8/2019</a:t>
+              <a:t>11/9/2019</a:t>
             </a:fld>
             <a:endParaRPr lang="en-US"/>
           </a:p>
@@ -2370,7 +2375,7 @@
           <a:p>
             <a:fld id="{846CE7D5-CF57-46EF-B807-FDD0502418D4}" type="datetimeFigureOut">
               <a:rPr lang="en-US" smtClean="0"/>
-              <a:t>11/8/2019</a:t>
+              <a:t>11/9/2019</a:t>
             </a:fld>
             <a:endParaRPr lang="en-US"/>
           </a:p>
@@ -2583,7 +2588,7 @@
           <a:p>
             <a:fld id="{846CE7D5-CF57-46EF-B807-FDD0502418D4}" type="datetimeFigureOut">
               <a:rPr lang="en-US" smtClean="0"/>
-              <a:t>11/8/2019</a:t>
+              <a:t>11/9/2019</a:t>
             </a:fld>
             <a:endParaRPr lang="en-US"/>
           </a:p>
@@ -3047,6 +3052,354 @@
 </p:sld>
 </file>
 
+<file path=ppt/slides/slide10.xml><?xml version="1.0" encoding="utf-8"?>
+<p:sld xmlns:a="http://schemas.openxmlformats.org/drawingml/2006/main" xmlns:r="http://schemas.openxmlformats.org/officeDocument/2006/relationships" xmlns:p="http://schemas.openxmlformats.org/presentationml/2006/main">
+  <p:cSld>
+    <p:spTree>
+      <p:nvGrpSpPr>
+        <p:cNvPr id="1" name=""/>
+        <p:cNvGrpSpPr/>
+        <p:nvPr/>
+      </p:nvGrpSpPr>
+      <p:grpSpPr>
+        <a:xfrm>
+          <a:off x="0" y="0"/>
+          <a:ext cx="0" cy="0"/>
+          <a:chOff x="0" y="0"/>
+          <a:chExt cx="0" cy="0"/>
+        </a:xfrm>
+      </p:grpSpPr>
+      <p:sp>
+        <p:nvSpPr>
+          <p:cNvPr id="2" name="TextBox 1">
+            <a:extLst>
+              <a:ext uri="{FF2B5EF4-FFF2-40B4-BE49-F238E27FC236}">
+                <a16:creationId xmlns:a16="http://schemas.microsoft.com/office/drawing/2014/main" id="{9BAB4A1D-FE16-4494-9F5C-6B39B7EE36F3}"/>
+              </a:ext>
+            </a:extLst>
+          </p:cNvPr>
+          <p:cNvSpPr txBox="1"/>
+          <p:nvPr/>
+        </p:nvSpPr>
+        <p:spPr>
+          <a:xfrm>
+            <a:off x="339306" y="296174"/>
+            <a:ext cx="7128294" cy="1077218"/>
+          </a:xfrm>
+          <a:prstGeom prst="rect">
+            <a:avLst/>
+          </a:prstGeom>
+          <a:noFill/>
+        </p:spPr>
+        <p:txBody>
+          <a:bodyPr rot="0" spcFirstLastPara="0" vertOverflow="overflow" horzOverflow="overflow" vert="horz" wrap="square" lIns="91440" tIns="45720" rIns="91440" bIns="45720" numCol="1" spcCol="0" rtlCol="0" fromWordArt="0" anchor="t" anchorCtr="0" forceAA="0" compatLnSpc="1">
+            <a:prstTxWarp prst="textNoShape">
+              <a:avLst/>
+            </a:prstTxWarp>
+            <a:spAutoFit/>
+          </a:bodyPr>
+          <a:lstStyle/>
+          <a:p>
+            <a:r>
+              <a:rPr lang="en-US" sz="3200" b="1">
+                <a:ea typeface="+mn-lt"/>
+                <a:cs typeface="+mn-lt"/>
+              </a:rPr>
+              <a:t>Blockchain vs Bitcoin:</a:t>
+            </a:r>
+          </a:p>
+          <a:p>
+            <a:endParaRPr lang="en-US" sz="3200" b="1" dirty="0">
+              <a:cs typeface="Calibri"/>
+            </a:endParaRPr>
+          </a:p>
+        </p:txBody>
+      </p:sp>
+      <p:sp>
+        <p:nvSpPr>
+          <p:cNvPr id="3" name="TextBox 2">
+            <a:extLst>
+              <a:ext uri="{FF2B5EF4-FFF2-40B4-BE49-F238E27FC236}">
+                <a16:creationId xmlns:a16="http://schemas.microsoft.com/office/drawing/2014/main" id="{51F2FDFD-2207-46AA-B81D-2C30E478D6B3}"/>
+              </a:ext>
+            </a:extLst>
+          </p:cNvPr>
+          <p:cNvSpPr txBox="1"/>
+          <p:nvPr/>
+        </p:nvSpPr>
+        <p:spPr>
+          <a:xfrm>
+            <a:off x="339306" y="1230702"/>
+            <a:ext cx="11082067" cy="4031873"/>
+          </a:xfrm>
+          <a:prstGeom prst="rect">
+            <a:avLst/>
+          </a:prstGeom>
+          <a:noFill/>
+        </p:spPr>
+        <p:txBody>
+          <a:bodyPr rot="0" spcFirstLastPara="0" vertOverflow="overflow" horzOverflow="overflow" vert="horz" wrap="square" lIns="91440" tIns="45720" rIns="91440" bIns="45720" numCol="1" spcCol="0" rtlCol="0" fromWordArt="0" anchor="t" anchorCtr="0" forceAA="0" compatLnSpc="1">
+            <a:prstTxWarp prst="textNoShape">
+              <a:avLst/>
+            </a:prstTxWarp>
+            <a:spAutoFit/>
+          </a:bodyPr>
+          <a:lstStyle/>
+          <a:p>
+            <a:pPr marL="285750" indent="-285750">
+              <a:buFont typeface="Arial"/>
+              <a:buChar char="•"/>
+            </a:pPr>
+            <a:r>
+              <a:rPr lang="en-US" sz="3200" dirty="0"/>
+              <a:t>The goal of blockchain is to allow digital information to be recorded and distributed, but not edited. </a:t>
+            </a:r>
+            <a:r>
+              <a:rPr lang="en-US" sz="3200" dirty="0">
+                <a:ea typeface="+mn-lt"/>
+                <a:cs typeface="+mn-lt"/>
+              </a:rPr>
+              <a:t>The Bitcoin protocol is built on the blockchain.</a:t>
+            </a:r>
+          </a:p>
+          <a:p>
+            <a:pPr marL="285750" indent="-285750">
+              <a:buFont typeface="Arial"/>
+              <a:buChar char="•"/>
+            </a:pPr>
+            <a:endParaRPr lang="en-US" sz="3200" dirty="0">
+              <a:ea typeface="+mn-lt"/>
+              <a:cs typeface="+mn-lt"/>
+            </a:endParaRPr>
+          </a:p>
+          <a:p>
+            <a:pPr marL="285750" indent="-285750">
+              <a:buFont typeface="Arial"/>
+              <a:buChar char="•"/>
+            </a:pPr>
+            <a:r>
+              <a:rPr lang="en-US" sz="3200" dirty="0">
+                <a:ea typeface="+mn-lt"/>
+                <a:cs typeface="+mn-lt"/>
+              </a:rPr>
+              <a:t> In a research paper introducing the digital currency, Bitcoin’s pseudonymous creator Satoshi Nakamoto referred to it as “a new electronic cash system that’s fully peer-to-peer, with no trusted third party.”</a:t>
+            </a:r>
+            <a:endParaRPr lang="en-US" sz="3200" dirty="0">
+              <a:cs typeface="Calibri"/>
+            </a:endParaRPr>
+          </a:p>
+        </p:txBody>
+      </p:sp>
+    </p:spTree>
+    <p:extLst>
+      <p:ext uri="{BB962C8B-B14F-4D97-AF65-F5344CB8AC3E}">
+        <p14:creationId xmlns:p14="http://schemas.microsoft.com/office/powerpoint/2010/main" val="1210995152"/>
+      </p:ext>
+    </p:extLst>
+  </p:cSld>
+  <p:clrMapOvr>
+    <a:masterClrMapping/>
+  </p:clrMapOvr>
+</p:sld>
+</file>
+
+<file path=ppt/slides/slide11.xml><?xml version="1.0" encoding="utf-8"?>
+<p:sld xmlns:a="http://schemas.openxmlformats.org/drawingml/2006/main" xmlns:r="http://schemas.openxmlformats.org/officeDocument/2006/relationships" xmlns:p="http://schemas.openxmlformats.org/presentationml/2006/main">
+  <p:cSld>
+    <p:spTree>
+      <p:nvGrpSpPr>
+        <p:cNvPr id="1" name=""/>
+        <p:cNvGrpSpPr/>
+        <p:nvPr/>
+      </p:nvGrpSpPr>
+      <p:grpSpPr>
+        <a:xfrm>
+          <a:off x="0" y="0"/>
+          <a:ext cx="0" cy="0"/>
+          <a:chOff x="0" y="0"/>
+          <a:chExt cx="0" cy="0"/>
+        </a:xfrm>
+      </p:grpSpPr>
+      <p:sp>
+        <p:nvSpPr>
+          <p:cNvPr id="2" name="TextBox 1">
+            <a:extLst>
+              <a:ext uri="{FF2B5EF4-FFF2-40B4-BE49-F238E27FC236}">
+                <a16:creationId xmlns:a16="http://schemas.microsoft.com/office/drawing/2014/main" id="{63B4811A-5A48-451E-B7CA-95F086E9B6EA}"/>
+              </a:ext>
+            </a:extLst>
+          </p:cNvPr>
+          <p:cNvSpPr txBox="1"/>
+          <p:nvPr/>
+        </p:nvSpPr>
+        <p:spPr>
+          <a:xfrm>
+            <a:off x="353684" y="109267"/>
+            <a:ext cx="9989387" cy="4031873"/>
+          </a:xfrm>
+          <a:prstGeom prst="rect">
+            <a:avLst/>
+          </a:prstGeom>
+          <a:noFill/>
+        </p:spPr>
+        <p:txBody>
+          <a:bodyPr rot="0" spcFirstLastPara="0" vertOverflow="overflow" horzOverflow="overflow" vert="horz" wrap="square" lIns="91440" tIns="45720" rIns="91440" bIns="45720" numCol="1" spcCol="0" rtlCol="0" fromWordArt="0" anchor="t" anchorCtr="0" forceAA="0" compatLnSpc="1">
+            <a:prstTxWarp prst="textNoShape">
+              <a:avLst/>
+            </a:prstTxWarp>
+            <a:spAutoFit/>
+          </a:bodyPr>
+          <a:lstStyle/>
+          <a:p>
+            <a:r>
+              <a:rPr lang="en-US" sz="4400" b="1" dirty="0">
+                <a:latin typeface="Calibri Light"/>
+                <a:cs typeface="Calibri Light"/>
+              </a:rPr>
+              <a:t>The key business benefits:</a:t>
+            </a:r>
+          </a:p>
+          <a:p>
+            <a:r>
+              <a:rPr lang="en-US" sz="2400" b="1">
+                <a:ea typeface="+mn-lt"/>
+                <a:cs typeface="+mn-lt"/>
+              </a:rPr>
+              <a:t>•  Time savings</a:t>
+            </a:r>
+            <a:endParaRPr lang="en-US" sz="2400">
+              <a:cs typeface="Calibri"/>
+            </a:endParaRPr>
+          </a:p>
+          <a:p>
+            <a:r>
+              <a:rPr lang="en-US" sz="2400" dirty="0">
+                <a:ea typeface="+mn-lt"/>
+                <a:cs typeface="+mn-lt"/>
+              </a:rPr>
+              <a:t>•  </a:t>
+            </a:r>
+            <a:r>
+              <a:rPr lang="en-US" sz="2400" b="1">
+                <a:ea typeface="+mn-lt"/>
+                <a:cs typeface="+mn-lt"/>
+              </a:rPr>
+              <a:t>Cost savings</a:t>
+            </a:r>
+            <a:endParaRPr lang="en-US" sz="2400">
+              <a:cs typeface="Calibri"/>
+            </a:endParaRPr>
+          </a:p>
+          <a:p>
+            <a:r>
+              <a:rPr lang="en-US" sz="2400" dirty="0">
+                <a:ea typeface="+mn-lt"/>
+                <a:cs typeface="+mn-lt"/>
+              </a:rPr>
+              <a:t>•  </a:t>
+            </a:r>
+            <a:r>
+              <a:rPr lang="en-US" sz="2400" b="1">
+                <a:ea typeface="+mn-lt"/>
+                <a:cs typeface="+mn-lt"/>
+              </a:rPr>
+              <a:t>Tighter security</a:t>
+            </a:r>
+            <a:endParaRPr lang="en-US" sz="2400">
+              <a:cs typeface="Calibri"/>
+            </a:endParaRPr>
+          </a:p>
+          <a:p>
+            <a:r>
+              <a:rPr lang="en-US" sz="2400" dirty="0">
+                <a:ea typeface="+mn-lt"/>
+                <a:cs typeface="+mn-lt"/>
+              </a:rPr>
+              <a:t>•  </a:t>
+            </a:r>
+            <a:r>
+              <a:rPr lang="en-US" sz="2400" b="1">
+                <a:ea typeface="+mn-lt"/>
+                <a:cs typeface="+mn-lt"/>
+              </a:rPr>
+              <a:t>Enhanced privacy</a:t>
+            </a:r>
+            <a:endParaRPr lang="en-US" sz="2400">
+              <a:cs typeface="Calibri"/>
+            </a:endParaRPr>
+          </a:p>
+          <a:p>
+            <a:r>
+              <a:rPr lang="en-US" sz="2400" dirty="0">
+                <a:ea typeface="+mn-lt"/>
+                <a:cs typeface="+mn-lt"/>
+              </a:rPr>
+              <a:t>•  </a:t>
+            </a:r>
+            <a:r>
+              <a:rPr lang="en-US" sz="2400" b="1">
+                <a:ea typeface="+mn-lt"/>
+                <a:cs typeface="+mn-lt"/>
+              </a:rPr>
+              <a:t>Improved auditability</a:t>
+            </a:r>
+            <a:endParaRPr lang="en-US" sz="2400">
+              <a:cs typeface="Calibri"/>
+            </a:endParaRPr>
+          </a:p>
+          <a:p>
+            <a:r>
+              <a:rPr lang="en-US" sz="2400" dirty="0">
+                <a:ea typeface="+mn-lt"/>
+                <a:cs typeface="+mn-lt"/>
+              </a:rPr>
+              <a:t>•  </a:t>
+            </a:r>
+            <a:r>
+              <a:rPr lang="en-US" sz="2400" b="1">
+                <a:ea typeface="+mn-lt"/>
+                <a:cs typeface="+mn-lt"/>
+              </a:rPr>
+              <a:t>Increased operational efficiency</a:t>
+            </a:r>
+            <a:r>
+              <a:rPr lang="en-US" sz="2400" dirty="0">
+                <a:ea typeface="+mn-lt"/>
+                <a:cs typeface="+mn-lt"/>
+              </a:rPr>
+              <a:t> </a:t>
+            </a:r>
+            <a:endParaRPr lang="en-US" sz="2400" dirty="0">
+              <a:cs typeface="Calibri"/>
+            </a:endParaRPr>
+          </a:p>
+          <a:p>
+            <a:endParaRPr lang="en-US" sz="2400" b="1" dirty="0">
+              <a:latin typeface="Calibri Light"/>
+              <a:cs typeface="Calibri Light"/>
+            </a:endParaRPr>
+          </a:p>
+          <a:p>
+            <a:endParaRPr lang="en-US" sz="4400" b="1" dirty="0">
+              <a:latin typeface="Calibri Light"/>
+              <a:cs typeface="Calibri Light"/>
+            </a:endParaRPr>
+          </a:p>
+        </p:txBody>
+      </p:sp>
+    </p:spTree>
+    <p:extLst>
+      <p:ext uri="{BB962C8B-B14F-4D97-AF65-F5344CB8AC3E}">
+        <p14:creationId xmlns:p14="http://schemas.microsoft.com/office/powerpoint/2010/main" val="536258401"/>
+      </p:ext>
+    </p:extLst>
+  </p:cSld>
+  <p:clrMapOvr>
+    <a:masterClrMapping/>
+  </p:clrMapOvr>
+</p:sld>
+</file>
+
 <file path=ppt/slides/slide2.xml><?xml version="1.0" encoding="utf-8"?>
 <p:sld xmlns:a="http://schemas.openxmlformats.org/drawingml/2006/main" xmlns:r="http://schemas.openxmlformats.org/officeDocument/2006/relationships" xmlns:p="http://schemas.openxmlformats.org/presentationml/2006/main">
   <p:cSld>
@@ -3270,6 +3623,855 @@
 </file>
 
 <file path=ppt/slides/slide3.xml><?xml version="1.0" encoding="utf-8"?>
+<p:sld xmlns:a="http://schemas.openxmlformats.org/drawingml/2006/main" xmlns:r="http://schemas.openxmlformats.org/officeDocument/2006/relationships" xmlns:p="http://schemas.openxmlformats.org/presentationml/2006/main">
+  <p:cSld>
+    <p:spTree>
+      <p:nvGrpSpPr>
+        <p:cNvPr id="1" name=""/>
+        <p:cNvGrpSpPr/>
+        <p:nvPr/>
+      </p:nvGrpSpPr>
+      <p:grpSpPr>
+        <a:xfrm>
+          <a:off x="0" y="0"/>
+          <a:ext cx="0" cy="0"/>
+          <a:chOff x="0" y="0"/>
+          <a:chExt cx="0" cy="0"/>
+        </a:xfrm>
+      </p:grpSpPr>
+      <p:sp>
+        <p:nvSpPr>
+          <p:cNvPr id="2" name="TextBox 1">
+            <a:extLst>
+              <a:ext uri="{FF2B5EF4-FFF2-40B4-BE49-F238E27FC236}">
+                <a16:creationId xmlns:a16="http://schemas.microsoft.com/office/drawing/2014/main" id="{A824547C-CB48-4E2D-8AE0-C721C53C6347}"/>
+              </a:ext>
+            </a:extLst>
+          </p:cNvPr>
+          <p:cNvSpPr txBox="1"/>
+          <p:nvPr/>
+        </p:nvSpPr>
+        <p:spPr>
+          <a:xfrm>
+            <a:off x="281797" y="310551"/>
+            <a:ext cx="7185803" cy="584775"/>
+          </a:xfrm>
+          <a:prstGeom prst="rect">
+            <a:avLst/>
+          </a:prstGeom>
+          <a:noFill/>
+        </p:spPr>
+        <p:txBody>
+          <a:bodyPr rot="0" spcFirstLastPara="0" vertOverflow="overflow" horzOverflow="overflow" vert="horz" wrap="square" lIns="91440" tIns="45720" rIns="91440" bIns="45720" numCol="1" spcCol="0" rtlCol="0" fromWordArt="0" anchor="t" anchorCtr="0" forceAA="0" compatLnSpc="1">
+            <a:prstTxWarp prst="textNoShape">
+              <a:avLst/>
+            </a:prstTxWarp>
+            <a:spAutoFit/>
+          </a:bodyPr>
+          <a:lstStyle/>
+          <a:p>
+            <a:r>
+              <a:rPr lang="en-US" sz="3200" b="1" dirty="0"/>
+              <a:t>Blockchain Version:</a:t>
+            </a:r>
+          </a:p>
+        </p:txBody>
+      </p:sp>
+      <p:sp>
+        <p:nvSpPr>
+          <p:cNvPr id="3" name="TextBox 2">
+            <a:extLst>
+              <a:ext uri="{FF2B5EF4-FFF2-40B4-BE49-F238E27FC236}">
+                <a16:creationId xmlns:a16="http://schemas.microsoft.com/office/drawing/2014/main" id="{3C3A91FE-E51D-4772-B9FC-A4966DCDFE76}"/>
+              </a:ext>
+            </a:extLst>
+          </p:cNvPr>
+          <p:cNvSpPr txBox="1"/>
+          <p:nvPr/>
+        </p:nvSpPr>
+        <p:spPr>
+          <a:xfrm>
+            <a:off x="425571" y="1662024"/>
+            <a:ext cx="11340858" cy="3539430"/>
+          </a:xfrm>
+          <a:prstGeom prst="rect">
+            <a:avLst/>
+          </a:prstGeom>
+          <a:noFill/>
+        </p:spPr>
+        <p:txBody>
+          <a:bodyPr rot="0" spcFirstLastPara="0" vertOverflow="overflow" horzOverflow="overflow" vert="horz" wrap="square" lIns="91440" tIns="45720" rIns="91440" bIns="45720" numCol="1" spcCol="0" rtlCol="0" fromWordArt="0" anchor="t" anchorCtr="0" forceAA="0" compatLnSpc="1">
+            <a:prstTxWarp prst="textNoShape">
+              <a:avLst/>
+            </a:prstTxWarp>
+            <a:spAutoFit/>
+          </a:bodyPr>
+          <a:lstStyle/>
+          <a:p>
+            <a:r>
+              <a:rPr lang="en-US" sz="2800" dirty="0"/>
+              <a:t>                 The brief description of the evolution of blockchain technology and its versioning from 1.0 to 3.0 are explained below.</a:t>
+            </a:r>
+            <a:endParaRPr lang="en-US" sz="2800" dirty="0">
+              <a:cs typeface="Calibri"/>
+            </a:endParaRPr>
+          </a:p>
+          <a:p>
+            <a:endParaRPr lang="en-US" sz="2800" dirty="0"/>
+          </a:p>
+          <a:p>
+            <a:r>
+              <a:rPr lang="en-US" sz="2800" dirty="0"/>
+              <a:t>                            1) Blockchain 1.0: Currency</a:t>
+            </a:r>
+            <a:endParaRPr lang="en-US" sz="2800">
+              <a:cs typeface="Calibri"/>
+            </a:endParaRPr>
+          </a:p>
+          <a:p>
+            <a:endParaRPr lang="en-US" sz="2800" dirty="0">
+              <a:cs typeface="Calibri"/>
+            </a:endParaRPr>
+          </a:p>
+          <a:p>
+            <a:r>
+              <a:rPr lang="en-US" sz="2800" dirty="0"/>
+              <a:t>                            3) Blockchain 2.0: Smart Contracts</a:t>
+            </a:r>
+            <a:endParaRPr lang="en-US" sz="2800">
+              <a:cs typeface="Calibri"/>
+            </a:endParaRPr>
+          </a:p>
+          <a:p>
+            <a:endParaRPr lang="en-US" sz="2800" dirty="0">
+              <a:cs typeface="Calibri"/>
+            </a:endParaRPr>
+          </a:p>
+          <a:p>
+            <a:r>
+              <a:rPr lang="en-US" sz="2800" dirty="0"/>
+              <a:t>                            4) Blockchain 3.0: </a:t>
+            </a:r>
+            <a:r>
+              <a:rPr lang="en-US" sz="2800" dirty="0" err="1"/>
+              <a:t>DApps</a:t>
+            </a:r>
+            <a:endParaRPr lang="en-US" sz="2800">
+              <a:cs typeface="Calibri"/>
+            </a:endParaRPr>
+          </a:p>
+        </p:txBody>
+      </p:sp>
+    </p:spTree>
+    <p:extLst>
+      <p:ext uri="{BB962C8B-B14F-4D97-AF65-F5344CB8AC3E}">
+        <p14:creationId xmlns:p14="http://schemas.microsoft.com/office/powerpoint/2010/main" val="1062669780"/>
+      </p:ext>
+    </p:extLst>
+  </p:cSld>
+  <p:clrMapOvr>
+    <a:masterClrMapping/>
+  </p:clrMapOvr>
+</p:sld>
+</file>
+
+<file path=ppt/slides/slide4.xml><?xml version="1.0" encoding="utf-8"?>
+<p:sld xmlns:a="http://schemas.openxmlformats.org/drawingml/2006/main" xmlns:r="http://schemas.openxmlformats.org/officeDocument/2006/relationships" xmlns:p="http://schemas.openxmlformats.org/presentationml/2006/main">
+  <p:cSld>
+    <p:spTree>
+      <p:nvGrpSpPr>
+        <p:cNvPr id="1" name=""/>
+        <p:cNvGrpSpPr/>
+        <p:nvPr/>
+      </p:nvGrpSpPr>
+      <p:grpSpPr>
+        <a:xfrm>
+          <a:off x="0" y="0"/>
+          <a:ext cx="0" cy="0"/>
+          <a:chOff x="0" y="0"/>
+          <a:chExt cx="0" cy="0"/>
+        </a:xfrm>
+      </p:grpSpPr>
+      <p:sp>
+        <p:nvSpPr>
+          <p:cNvPr id="3" name="TextBox 2">
+            <a:extLst>
+              <a:ext uri="{FF2B5EF4-FFF2-40B4-BE49-F238E27FC236}">
+                <a16:creationId xmlns:a16="http://schemas.microsoft.com/office/drawing/2014/main" id="{A7031280-7F8E-418C-ADBC-E9E1CD7D6ACD}"/>
+              </a:ext>
+            </a:extLst>
+          </p:cNvPr>
+          <p:cNvSpPr txBox="1"/>
+          <p:nvPr/>
+        </p:nvSpPr>
+        <p:spPr>
+          <a:xfrm>
+            <a:off x="554967" y="425570"/>
+            <a:ext cx="6912633" cy="646331"/>
+          </a:xfrm>
+          <a:prstGeom prst="rect">
+            <a:avLst/>
+          </a:prstGeom>
+          <a:noFill/>
+        </p:spPr>
+        <p:txBody>
+          <a:bodyPr rot="0" spcFirstLastPara="0" vertOverflow="overflow" horzOverflow="overflow" vert="horz" wrap="square" lIns="91440" tIns="45720" rIns="91440" bIns="45720" numCol="1" spcCol="0" rtlCol="0" fromWordArt="0" anchor="t" anchorCtr="0" forceAA="0" compatLnSpc="1">
+            <a:prstTxWarp prst="textNoShape">
+              <a:avLst/>
+            </a:prstTxWarp>
+            <a:spAutoFit/>
+          </a:bodyPr>
+          <a:lstStyle/>
+          <a:p>
+            <a:r>
+              <a:rPr lang="en-US" sz="3600" b="1" dirty="0"/>
+              <a:t>Blockchain 1.0: Currency</a:t>
+            </a:r>
+          </a:p>
+        </p:txBody>
+      </p:sp>
+      <p:sp>
+        <p:nvSpPr>
+          <p:cNvPr id="4" name="TextBox 3">
+            <a:extLst>
+              <a:ext uri="{FF2B5EF4-FFF2-40B4-BE49-F238E27FC236}">
+                <a16:creationId xmlns:a16="http://schemas.microsoft.com/office/drawing/2014/main" id="{01E7A0B1-38D4-4466-8C75-C5AFF172DCE0}"/>
+              </a:ext>
+            </a:extLst>
+          </p:cNvPr>
+          <p:cNvSpPr txBox="1"/>
+          <p:nvPr/>
+        </p:nvSpPr>
+        <p:spPr>
+          <a:xfrm>
+            <a:off x="770627" y="1316966"/>
+            <a:ext cx="10981426" cy="4832092"/>
+          </a:xfrm>
+          <a:prstGeom prst="rect">
+            <a:avLst/>
+          </a:prstGeom>
+          <a:noFill/>
+        </p:spPr>
+        <p:txBody>
+          <a:bodyPr rot="0" spcFirstLastPara="0" vertOverflow="overflow" horzOverflow="overflow" vert="horz" wrap="square" lIns="91440" tIns="45720" rIns="91440" bIns="45720" numCol="1" spcCol="0" rtlCol="0" fromWordArt="0" anchor="t" anchorCtr="0" forceAA="0" compatLnSpc="1">
+            <a:prstTxWarp prst="textNoShape">
+              <a:avLst/>
+            </a:prstTxWarp>
+            <a:spAutoFit/>
+          </a:bodyPr>
+          <a:lstStyle/>
+          <a:p>
+            <a:pPr marL="285750" indent="-285750">
+              <a:buFont typeface="Arial"/>
+              <a:buChar char="•"/>
+            </a:pPr>
+            <a:r>
+              <a:rPr lang="en-US" sz="2800" dirty="0"/>
+              <a:t>The idea of creating money through solving computational puzzles was first introduced in 2005 by Hal Finney, who created the first concept for cryptocurrencies (The implementation of distributed ledger technology). </a:t>
+            </a:r>
+            <a:endParaRPr lang="en-US" sz="2800" dirty="0">
+              <a:cs typeface="Calibri"/>
+            </a:endParaRPr>
+          </a:p>
+          <a:p>
+            <a:pPr marL="285750" indent="-285750">
+              <a:buFont typeface="Arial"/>
+              <a:buChar char="•"/>
+            </a:pPr>
+            <a:endParaRPr lang="en-US" sz="2800" dirty="0"/>
+          </a:p>
+          <a:p>
+            <a:pPr marL="285750" indent="-285750">
+              <a:buFont typeface="Arial"/>
+              <a:buChar char="•"/>
+            </a:pPr>
+            <a:r>
+              <a:rPr lang="en-US" sz="2800" dirty="0"/>
+              <a:t>This ledger allows financial transactions based on blockchain technology or DLT to be executed with Bitcoin. Bitcoin is the most prominent example in this segment.</a:t>
+            </a:r>
+            <a:endParaRPr lang="en-US" sz="2800" dirty="0">
+              <a:cs typeface="Calibri"/>
+            </a:endParaRPr>
+          </a:p>
+          <a:p>
+            <a:pPr marL="285750" indent="-285750">
+              <a:buFont typeface="Arial"/>
+              <a:buChar char="•"/>
+            </a:pPr>
+            <a:endParaRPr lang="en-US" sz="2800" dirty="0"/>
+          </a:p>
+          <a:p>
+            <a:pPr marL="285750" indent="-285750">
+              <a:buFont typeface="Arial"/>
+              <a:buChar char="•"/>
+            </a:pPr>
+            <a:r>
+              <a:rPr lang="en-US" sz="2800" dirty="0"/>
+              <a:t>It is being used as cash for the Internet and seen as the enabler of an Internet of Money.</a:t>
+            </a:r>
+            <a:endParaRPr lang="en-US" sz="2800">
+              <a:cs typeface="Calibri"/>
+            </a:endParaRPr>
+          </a:p>
+        </p:txBody>
+      </p:sp>
+    </p:spTree>
+    <p:extLst>
+      <p:ext uri="{BB962C8B-B14F-4D97-AF65-F5344CB8AC3E}">
+        <p14:creationId xmlns:p14="http://schemas.microsoft.com/office/powerpoint/2010/main" val="675610701"/>
+      </p:ext>
+    </p:extLst>
+  </p:cSld>
+  <p:clrMapOvr>
+    <a:masterClrMapping/>
+  </p:clrMapOvr>
+</p:sld>
+</file>
+
+<file path=ppt/slides/slide5.xml><?xml version="1.0" encoding="utf-8"?>
+<p:sld xmlns:a="http://schemas.openxmlformats.org/drawingml/2006/main" xmlns:r="http://schemas.openxmlformats.org/officeDocument/2006/relationships" xmlns:p="http://schemas.openxmlformats.org/presentationml/2006/main">
+  <p:cSld>
+    <p:spTree>
+      <p:nvGrpSpPr>
+        <p:cNvPr id="1" name=""/>
+        <p:cNvGrpSpPr/>
+        <p:nvPr/>
+      </p:nvGrpSpPr>
+      <p:grpSpPr>
+        <a:xfrm>
+          <a:off x="0" y="0"/>
+          <a:ext cx="0" cy="0"/>
+          <a:chOff x="0" y="0"/>
+          <a:chExt cx="0" cy="0"/>
+        </a:xfrm>
+      </p:grpSpPr>
+      <p:sp>
+        <p:nvSpPr>
+          <p:cNvPr id="2" name="TextBox 1">
+            <a:extLst>
+              <a:ext uri="{FF2B5EF4-FFF2-40B4-BE49-F238E27FC236}">
+                <a16:creationId xmlns:a16="http://schemas.microsoft.com/office/drawing/2014/main" id="{6F38FB30-48C3-4364-99D2-3AB385874E55}"/>
+              </a:ext>
+            </a:extLst>
+          </p:cNvPr>
+          <p:cNvSpPr txBox="1"/>
+          <p:nvPr/>
+        </p:nvSpPr>
+        <p:spPr>
+          <a:xfrm>
+            <a:off x="281797" y="224287"/>
+            <a:ext cx="7185803" cy="584775"/>
+          </a:xfrm>
+          <a:prstGeom prst="rect">
+            <a:avLst/>
+          </a:prstGeom>
+          <a:noFill/>
+        </p:spPr>
+        <p:txBody>
+          <a:bodyPr rot="0" spcFirstLastPara="0" vertOverflow="overflow" horzOverflow="overflow" vert="horz" wrap="square" lIns="91440" tIns="45720" rIns="91440" bIns="45720" numCol="1" spcCol="0" rtlCol="0" fromWordArt="0" anchor="t" anchorCtr="0" forceAA="0" compatLnSpc="1">
+            <a:prstTxWarp prst="textNoShape">
+              <a:avLst/>
+            </a:prstTxWarp>
+            <a:spAutoFit/>
+          </a:bodyPr>
+          <a:lstStyle/>
+          <a:p>
+            <a:r>
+              <a:rPr lang="en-US" sz="3200" b="1" dirty="0"/>
+              <a:t>Blockchain 2.0: Smart Contracts</a:t>
+            </a:r>
+            <a:endParaRPr lang="en-US" sz="3200" b="1">
+              <a:cs typeface="Calibri"/>
+            </a:endParaRPr>
+          </a:p>
+        </p:txBody>
+      </p:sp>
+      <p:sp>
+        <p:nvSpPr>
+          <p:cNvPr id="3" name="TextBox 2">
+            <a:extLst>
+              <a:ext uri="{FF2B5EF4-FFF2-40B4-BE49-F238E27FC236}">
+                <a16:creationId xmlns:a16="http://schemas.microsoft.com/office/drawing/2014/main" id="{28A027CB-05F6-478A-A835-EB271C581170}"/>
+              </a:ext>
+            </a:extLst>
+          </p:cNvPr>
+          <p:cNvSpPr txBox="1"/>
+          <p:nvPr/>
+        </p:nvSpPr>
+        <p:spPr>
+          <a:xfrm>
+            <a:off x="468702" y="1259456"/>
+            <a:ext cx="10780143" cy="4832092"/>
+          </a:xfrm>
+          <a:prstGeom prst="rect">
+            <a:avLst/>
+          </a:prstGeom>
+          <a:noFill/>
+        </p:spPr>
+        <p:txBody>
+          <a:bodyPr rot="0" spcFirstLastPara="0" vertOverflow="overflow" horzOverflow="overflow" vert="horz" wrap="square" lIns="91440" tIns="45720" rIns="91440" bIns="45720" numCol="1" spcCol="0" rtlCol="0" fromWordArt="0" anchor="t" anchorCtr="0" forceAA="0" compatLnSpc="1">
+            <a:prstTxWarp prst="textNoShape">
+              <a:avLst/>
+            </a:prstTxWarp>
+            <a:spAutoFit/>
+          </a:bodyPr>
+          <a:lstStyle/>
+          <a:p>
+            <a:pPr marL="457200" indent="-457200">
+              <a:buFont typeface="Arial"/>
+              <a:buChar char="•"/>
+            </a:pPr>
+            <a:r>
+              <a:rPr lang="en-US" sz="2800" dirty="0"/>
+              <a:t>The main issues that came with Bitcoin are wasteful mining and lack of network scalability. To overcome these issues, this version extends the concept of Bitcoin beyond currency. </a:t>
+            </a:r>
+          </a:p>
+          <a:p>
+            <a:pPr marL="457200" indent="-457200">
+              <a:buFont typeface="Arial"/>
+              <a:buChar char="•"/>
+            </a:pPr>
+            <a:endParaRPr lang="en-US" sz="2800" dirty="0"/>
+          </a:p>
+          <a:p>
+            <a:pPr marL="457200" indent="-457200">
+              <a:buFont typeface="Arial"/>
+              <a:buChar char="•"/>
+            </a:pPr>
+            <a:r>
+              <a:rPr lang="en-US" sz="2800" dirty="0"/>
+              <a:t>The new key concepts are Smart Contracts. It is small computer programs that "live" in the blockchain.</a:t>
+            </a:r>
+            <a:endParaRPr lang="en-US" sz="2800" dirty="0">
+              <a:cs typeface="Calibri" panose="020F0502020204030204"/>
+            </a:endParaRPr>
+          </a:p>
+          <a:p>
+            <a:pPr marL="457200" indent="-457200">
+              <a:buFont typeface="Arial"/>
+              <a:buChar char="•"/>
+            </a:pPr>
+            <a:endParaRPr lang="en-US" sz="2800" dirty="0"/>
+          </a:p>
+          <a:p>
+            <a:pPr marL="457200" indent="-457200">
+              <a:buFont typeface="Arial"/>
+              <a:buChar char="•"/>
+            </a:pPr>
+            <a:r>
+              <a:rPr lang="en-US" sz="2800" dirty="0"/>
+              <a:t>The blockchain 2.0 version is successfully processing a high number of daily transactions on a public network, where millions were raised through ICO (Initial Coin Offerings), and the market cap increased rapidly.</a:t>
+            </a:r>
+            <a:endParaRPr lang="en-US" sz="2800">
+              <a:cs typeface="Calibri"/>
+            </a:endParaRPr>
+          </a:p>
+        </p:txBody>
+      </p:sp>
+    </p:spTree>
+    <p:extLst>
+      <p:ext uri="{BB962C8B-B14F-4D97-AF65-F5344CB8AC3E}">
+        <p14:creationId xmlns:p14="http://schemas.microsoft.com/office/powerpoint/2010/main" val="498978606"/>
+      </p:ext>
+    </p:extLst>
+  </p:cSld>
+  <p:clrMapOvr>
+    <a:masterClrMapping/>
+  </p:clrMapOvr>
+</p:sld>
+</file>
+
+<file path=ppt/slides/slide6.xml><?xml version="1.0" encoding="utf-8"?>
+<p:sld xmlns:a="http://schemas.openxmlformats.org/drawingml/2006/main" xmlns:r="http://schemas.openxmlformats.org/officeDocument/2006/relationships" xmlns:p="http://schemas.openxmlformats.org/presentationml/2006/main">
+  <p:cSld>
+    <p:spTree>
+      <p:nvGrpSpPr>
+        <p:cNvPr id="1" name=""/>
+        <p:cNvGrpSpPr/>
+        <p:nvPr/>
+      </p:nvGrpSpPr>
+      <p:grpSpPr>
+        <a:xfrm>
+          <a:off x="0" y="0"/>
+          <a:ext cx="0" cy="0"/>
+          <a:chOff x="0" y="0"/>
+          <a:chExt cx="0" cy="0"/>
+        </a:xfrm>
+      </p:grpSpPr>
+      <p:sp>
+        <p:nvSpPr>
+          <p:cNvPr id="2" name="TextBox 1">
+            <a:extLst>
+              <a:ext uri="{FF2B5EF4-FFF2-40B4-BE49-F238E27FC236}">
+                <a16:creationId xmlns:a16="http://schemas.microsoft.com/office/drawing/2014/main" id="{F6E25B78-7A9D-4DAA-97CF-03870331C330}"/>
+              </a:ext>
+            </a:extLst>
+          </p:cNvPr>
+          <p:cNvSpPr txBox="1"/>
+          <p:nvPr/>
+        </p:nvSpPr>
+        <p:spPr>
+          <a:xfrm>
+            <a:off x="238665" y="138023"/>
+            <a:ext cx="7228935" cy="584775"/>
+          </a:xfrm>
+          <a:prstGeom prst="rect">
+            <a:avLst/>
+          </a:prstGeom>
+          <a:noFill/>
+        </p:spPr>
+        <p:txBody>
+          <a:bodyPr rot="0" spcFirstLastPara="0" vertOverflow="overflow" horzOverflow="overflow" vert="horz" wrap="square" lIns="91440" tIns="45720" rIns="91440" bIns="45720" numCol="1" spcCol="0" rtlCol="0" fromWordArt="0" anchor="t" anchorCtr="0" forceAA="0" compatLnSpc="1">
+            <a:prstTxWarp prst="textNoShape">
+              <a:avLst/>
+            </a:prstTxWarp>
+            <a:spAutoFit/>
+          </a:bodyPr>
+          <a:lstStyle/>
+          <a:p>
+            <a:r>
+              <a:rPr lang="en-US" sz="3200" b="1" dirty="0"/>
+              <a:t>Blockchain 3.0: </a:t>
+            </a:r>
+            <a:r>
+              <a:rPr lang="en-US" sz="3200" b="1" dirty="0" err="1"/>
+              <a:t>DApps</a:t>
+            </a:r>
+            <a:endParaRPr lang="en-US" sz="3200" b="1">
+              <a:cs typeface="Calibri"/>
+            </a:endParaRPr>
+          </a:p>
+        </p:txBody>
+      </p:sp>
+      <p:sp>
+        <p:nvSpPr>
+          <p:cNvPr id="3" name="TextBox 2">
+            <a:extLst>
+              <a:ext uri="{FF2B5EF4-FFF2-40B4-BE49-F238E27FC236}">
+                <a16:creationId xmlns:a16="http://schemas.microsoft.com/office/drawing/2014/main" id="{3A116F56-8359-4DDF-8FDD-0A9D2AEA939F}"/>
+              </a:ext>
+            </a:extLst>
+          </p:cNvPr>
+          <p:cNvSpPr txBox="1"/>
+          <p:nvPr/>
+        </p:nvSpPr>
+        <p:spPr>
+          <a:xfrm>
+            <a:off x="641231" y="1302590"/>
+            <a:ext cx="11024557" cy="3970318"/>
+          </a:xfrm>
+          <a:prstGeom prst="rect">
+            <a:avLst/>
+          </a:prstGeom>
+          <a:noFill/>
+        </p:spPr>
+        <p:txBody>
+          <a:bodyPr rot="0" spcFirstLastPara="0" vertOverflow="overflow" horzOverflow="overflow" vert="horz" wrap="square" lIns="91440" tIns="45720" rIns="91440" bIns="45720" numCol="1" spcCol="0" rtlCol="0" fromWordArt="0" anchor="t" anchorCtr="0" forceAA="0" compatLnSpc="1">
+            <a:prstTxWarp prst="textNoShape">
+              <a:avLst/>
+            </a:prstTxWarp>
+            <a:spAutoFit/>
+          </a:bodyPr>
+          <a:lstStyle/>
+          <a:p>
+            <a:pPr marL="285750" indent="-285750">
+              <a:buFont typeface="Arial"/>
+              <a:buChar char="•"/>
+            </a:pPr>
+            <a:r>
+              <a:rPr lang="en-US" sz="2800" dirty="0" err="1"/>
+              <a:t>DApps</a:t>
+            </a:r>
+            <a:r>
+              <a:rPr lang="en-US" sz="2800" dirty="0"/>
+              <a:t> is also known as a decentralized application. </a:t>
+            </a:r>
+            <a:endParaRPr lang="en-US" sz="2800" dirty="0">
+              <a:cs typeface="Calibri"/>
+            </a:endParaRPr>
+          </a:p>
+          <a:p>
+            <a:pPr marL="285750" indent="-285750">
+              <a:buFont typeface="Arial"/>
+              <a:buChar char="•"/>
+            </a:pPr>
+            <a:endParaRPr lang="en-US" sz="2800" dirty="0">
+              <a:cs typeface="Calibri"/>
+            </a:endParaRPr>
+          </a:p>
+          <a:p>
+            <a:pPr marL="285750" indent="-285750">
+              <a:buFont typeface="Arial"/>
+              <a:buChar char="•"/>
+            </a:pPr>
+            <a:r>
+              <a:rPr lang="en-US" sz="2800" dirty="0"/>
+              <a:t>It uses decentralized storage and communication.</a:t>
+            </a:r>
+            <a:endParaRPr lang="en-US" sz="2800">
+              <a:cs typeface="Calibri" panose="020F0502020204030204"/>
+            </a:endParaRPr>
+          </a:p>
+          <a:p>
+            <a:pPr marL="285750" indent="-285750">
+              <a:buFont typeface="Arial"/>
+              <a:buChar char="•"/>
+            </a:pPr>
+            <a:endParaRPr lang="en-US" sz="2800" dirty="0">
+              <a:cs typeface="Calibri"/>
+            </a:endParaRPr>
+          </a:p>
+          <a:p>
+            <a:pPr marL="285750" indent="-285750">
+              <a:buFont typeface="Arial"/>
+              <a:buChar char="•"/>
+            </a:pPr>
+            <a:r>
+              <a:rPr lang="en-US" sz="2800" dirty="0"/>
+              <a:t> Its backend code is running on a decentralized peer-to-peer network. </a:t>
+            </a:r>
+            <a:endParaRPr lang="en-US" sz="2800">
+              <a:cs typeface="Calibri" panose="020F0502020204030204"/>
+            </a:endParaRPr>
+          </a:p>
+          <a:p>
+            <a:pPr marL="285750" indent="-285750">
+              <a:buFont typeface="Arial"/>
+              <a:buChar char="•"/>
+            </a:pPr>
+            <a:endParaRPr lang="en-US" sz="2800" dirty="0">
+              <a:cs typeface="Calibri"/>
+            </a:endParaRPr>
+          </a:p>
+          <a:p>
+            <a:pPr marL="285750" indent="-285750">
+              <a:buFont typeface="Arial"/>
+              <a:buChar char="•"/>
+            </a:pPr>
+            <a:r>
+              <a:rPr lang="en-US" sz="2800" dirty="0"/>
+              <a:t>A </a:t>
+            </a:r>
+            <a:r>
+              <a:rPr lang="en-US" sz="2800" dirty="0" err="1"/>
+              <a:t>DApp</a:t>
+            </a:r>
+            <a:r>
+              <a:rPr lang="en-US" sz="2800" dirty="0"/>
+              <a:t> can have frontend code hosted on decentralized storages such as Ethereum Swarm and user interfaces written in any language that can make a call to its backend like a traditional Apps.</a:t>
+            </a:r>
+            <a:endParaRPr lang="en-US" sz="2800">
+              <a:cs typeface="Calibri"/>
+            </a:endParaRPr>
+          </a:p>
+        </p:txBody>
+      </p:sp>
+    </p:spTree>
+    <p:extLst>
+      <p:ext uri="{BB962C8B-B14F-4D97-AF65-F5344CB8AC3E}">
+        <p14:creationId xmlns:p14="http://schemas.microsoft.com/office/powerpoint/2010/main" val="3812063695"/>
+      </p:ext>
+    </p:extLst>
+  </p:cSld>
+  <p:clrMapOvr>
+    <a:masterClrMapping/>
+  </p:clrMapOvr>
+</p:sld>
+</file>
+
+<file path=ppt/slides/slide7.xml><?xml version="1.0" encoding="utf-8"?>
+<p:sld xmlns:a="http://schemas.openxmlformats.org/drawingml/2006/main" xmlns:r="http://schemas.openxmlformats.org/officeDocument/2006/relationships" xmlns:p="http://schemas.openxmlformats.org/presentationml/2006/main">
+  <p:cSld>
+    <p:spTree>
+      <p:nvGrpSpPr>
+        <p:cNvPr id="1" name=""/>
+        <p:cNvGrpSpPr/>
+        <p:nvPr/>
+      </p:nvGrpSpPr>
+      <p:grpSpPr>
+        <a:xfrm>
+          <a:off x="0" y="0"/>
+          <a:ext cx="0" cy="0"/>
+          <a:chOff x="0" y="0"/>
+          <a:chExt cx="0" cy="0"/>
+        </a:xfrm>
+      </p:grpSpPr>
+      <p:sp>
+        <p:nvSpPr>
+          <p:cNvPr id="2" name="TextBox 1">
+            <a:extLst>
+              <a:ext uri="{FF2B5EF4-FFF2-40B4-BE49-F238E27FC236}">
+                <a16:creationId xmlns:a16="http://schemas.microsoft.com/office/drawing/2014/main" id="{C1F59F25-70C8-4BAD-8C1B-6FA948E34E1E}"/>
+              </a:ext>
+            </a:extLst>
+          </p:cNvPr>
+          <p:cNvSpPr txBox="1"/>
+          <p:nvPr/>
+        </p:nvSpPr>
+        <p:spPr>
+          <a:xfrm>
+            <a:off x="554967" y="1216325"/>
+            <a:ext cx="10751387" cy="5016758"/>
+          </a:xfrm>
+          <a:prstGeom prst="rect">
+            <a:avLst/>
+          </a:prstGeom>
+          <a:noFill/>
+        </p:spPr>
+        <p:txBody>
+          <a:bodyPr rot="0" spcFirstLastPara="0" vertOverflow="overflow" horzOverflow="overflow" vert="horz" wrap="square" lIns="91440" tIns="45720" rIns="91440" bIns="45720" numCol="1" spcCol="0" rtlCol="0" fromWordArt="0" anchor="t" anchorCtr="0" forceAA="0" compatLnSpc="1">
+            <a:prstTxWarp prst="textNoShape">
+              <a:avLst/>
+            </a:prstTxWarp>
+            <a:spAutoFit/>
+          </a:bodyPr>
+          <a:lstStyle/>
+          <a:p>
+            <a:pPr marL="457200" indent="-457200">
+              <a:buFont typeface="Arial"/>
+              <a:buChar char="•"/>
+            </a:pPr>
+            <a:r>
+              <a:rPr lang="en-US" sz="3200" dirty="0">
+                <a:ea typeface="+mn-lt"/>
+                <a:cs typeface="+mn-lt"/>
+              </a:rPr>
+              <a:t>The primary use of blockchains is as a distributed ledger for cryptocurrencies.</a:t>
+            </a:r>
+          </a:p>
+          <a:p>
+            <a:pPr marL="285750" indent="-285750">
+              <a:buFont typeface="Arial"/>
+              <a:buChar char="•"/>
+            </a:pPr>
+            <a:endParaRPr lang="en-US" sz="3200" dirty="0">
+              <a:ea typeface="+mn-lt"/>
+              <a:cs typeface="+mn-lt"/>
+            </a:endParaRPr>
+          </a:p>
+          <a:p>
+            <a:pPr marL="285750" indent="-285750">
+              <a:buFont typeface="Arial"/>
+              <a:buChar char="•"/>
+            </a:pPr>
+            <a:r>
+              <a:rPr lang="en-US" sz="3200" dirty="0">
+                <a:ea typeface="+mn-lt"/>
+                <a:cs typeface="+mn-lt"/>
+              </a:rPr>
+              <a:t>A blockchain is a concept of storing data digitally. </a:t>
+            </a:r>
+            <a:endParaRPr lang="en-US" sz="2000" dirty="0">
+              <a:cs typeface="Calibri"/>
+            </a:endParaRPr>
+          </a:p>
+          <a:p>
+            <a:pPr marL="285750" indent="-285750">
+              <a:buFont typeface="Arial"/>
+              <a:buChar char="•"/>
+            </a:pPr>
+            <a:endParaRPr lang="en-US" sz="3200" dirty="0">
+              <a:ea typeface="+mn-lt"/>
+              <a:cs typeface="+mn-lt"/>
+            </a:endParaRPr>
+          </a:p>
+          <a:p>
+            <a:pPr marL="285750" indent="-285750">
+              <a:buFont typeface="Arial"/>
+              <a:buChar char="•"/>
+            </a:pPr>
+            <a:r>
+              <a:rPr lang="en-US" sz="3200" dirty="0">
+                <a:ea typeface="+mn-lt"/>
+                <a:cs typeface="+mn-lt"/>
+              </a:rPr>
+              <a:t>This data comes in blocks. These blocks are chained together and make the data immutable.</a:t>
+            </a:r>
+            <a:endParaRPr lang="en-US" sz="3200">
+              <a:ea typeface="+mn-lt"/>
+              <a:cs typeface="+mn-lt"/>
+            </a:endParaRPr>
+          </a:p>
+          <a:p>
+            <a:pPr marL="285750" indent="-285750">
+              <a:buFont typeface="Arial"/>
+              <a:buChar char="•"/>
+            </a:pPr>
+            <a:endParaRPr lang="en-US" sz="3200" dirty="0">
+              <a:ea typeface="+mn-lt"/>
+              <a:cs typeface="+mn-lt"/>
+            </a:endParaRPr>
+          </a:p>
+          <a:p>
+            <a:pPr marL="285750" indent="-285750">
+              <a:buFont typeface="Arial"/>
+              <a:buChar char="•"/>
+            </a:pPr>
+            <a:r>
+              <a:rPr lang="en-US" sz="3200" dirty="0">
+                <a:ea typeface="+mn-lt"/>
+                <a:cs typeface="+mn-lt"/>
+              </a:rPr>
+              <a:t> When a block of data is chained with the other blocks, its data can never be changed again. </a:t>
+            </a:r>
+            <a:endParaRPr lang="en-US" sz="3200">
+              <a:cs typeface="Calibri"/>
+            </a:endParaRPr>
+          </a:p>
+        </p:txBody>
+      </p:sp>
+      <p:sp>
+        <p:nvSpPr>
+          <p:cNvPr id="3" name="TextBox 2">
+            <a:extLst>
+              <a:ext uri="{FF2B5EF4-FFF2-40B4-BE49-F238E27FC236}">
+                <a16:creationId xmlns:a16="http://schemas.microsoft.com/office/drawing/2014/main" id="{1ED46439-0108-457B-8878-27A9C8C88A29}"/>
+              </a:ext>
+            </a:extLst>
+          </p:cNvPr>
+          <p:cNvSpPr txBox="1"/>
+          <p:nvPr/>
+        </p:nvSpPr>
+        <p:spPr>
+          <a:xfrm>
+            <a:off x="368061" y="382438"/>
+            <a:ext cx="7099539" cy="584775"/>
+          </a:xfrm>
+          <a:prstGeom prst="rect">
+            <a:avLst/>
+          </a:prstGeom>
+          <a:noFill/>
+        </p:spPr>
+        <p:txBody>
+          <a:bodyPr rot="0" spcFirstLastPara="0" vertOverflow="overflow" horzOverflow="overflow" vert="horz" wrap="square" lIns="91440" tIns="45720" rIns="91440" bIns="45720" numCol="1" spcCol="0" rtlCol="0" fromWordArt="0" anchor="t" anchorCtr="0" forceAA="0" compatLnSpc="1">
+            <a:prstTxWarp prst="textNoShape">
+              <a:avLst/>
+            </a:prstTxWarp>
+            <a:spAutoFit/>
+          </a:bodyPr>
+          <a:lstStyle/>
+          <a:p>
+            <a:r>
+              <a:rPr lang="en-US" sz="3200" b="1" dirty="0"/>
+              <a:t>Blockchain main uses:</a:t>
+            </a:r>
+          </a:p>
+        </p:txBody>
+      </p:sp>
+    </p:spTree>
+    <p:extLst>
+      <p:ext uri="{BB962C8B-B14F-4D97-AF65-F5344CB8AC3E}">
+        <p14:creationId xmlns:p14="http://schemas.microsoft.com/office/powerpoint/2010/main" val="1796564731"/>
+      </p:ext>
+    </p:extLst>
+  </p:cSld>
+  <p:clrMapOvr>
+    <a:masterClrMapping/>
+  </p:clrMapOvr>
+</p:sld>
+</file>
+
+<file path=ppt/slides/slide8.xml><?xml version="1.0" encoding="utf-8"?>
 <p:sld xmlns:a="http://schemas.openxmlformats.org/drawingml/2006/main" xmlns:r="http://schemas.openxmlformats.org/officeDocument/2006/relationships" xmlns:p="http://schemas.openxmlformats.org/presentationml/2006/main">
   <p:cSld>
     <p:spTree>
@@ -3545,7 +4747,7 @@
 </p:sld>
 </file>
 
-<file path=ppt/slides/slide4.xml><?xml version="1.0" encoding="utf-8"?>
+<file path=ppt/slides/slide9.xml><?xml version="1.0" encoding="utf-8"?>
 <p:sld xmlns:a="http://schemas.openxmlformats.org/drawingml/2006/main" xmlns:r="http://schemas.openxmlformats.org/officeDocument/2006/relationships" xmlns:p="http://schemas.openxmlformats.org/presentationml/2006/main">
   <p:cSld>
     <p:spTree>
@@ -3567,137 +4769,6 @@
           <p:cNvPr id="2" name="TextBox 1">
             <a:extLst>
               <a:ext uri="{FF2B5EF4-FFF2-40B4-BE49-F238E27FC236}">
-                <a16:creationId xmlns:a16="http://schemas.microsoft.com/office/drawing/2014/main" id="{C1F59F25-70C8-4BAD-8C1B-6FA948E34E1E}"/>
-              </a:ext>
-            </a:extLst>
-          </p:cNvPr>
-          <p:cNvSpPr txBox="1"/>
-          <p:nvPr/>
-        </p:nvSpPr>
-        <p:spPr>
-          <a:xfrm>
-            <a:off x="324929" y="756250"/>
-            <a:ext cx="10751387" cy="3539430"/>
-          </a:xfrm>
-          <a:prstGeom prst="rect">
-            <a:avLst/>
-          </a:prstGeom>
-          <a:noFill/>
-        </p:spPr>
-        <p:txBody>
-          <a:bodyPr rot="0" spcFirstLastPara="0" vertOverflow="overflow" horzOverflow="overflow" vert="horz" wrap="square" lIns="91440" tIns="45720" rIns="91440" bIns="45720" numCol="1" spcCol="0" rtlCol="0" fromWordArt="0" anchor="t" anchorCtr="0" forceAA="0" compatLnSpc="1">
-            <a:prstTxWarp prst="textNoShape">
-              <a:avLst/>
-            </a:prstTxWarp>
-            <a:spAutoFit/>
-          </a:bodyPr>
-          <a:lstStyle/>
-          <a:p>
-            <a:pPr marL="285750" indent="-285750">
-              <a:buFont typeface="Arial"/>
-              <a:buChar char="•"/>
-            </a:pPr>
-            <a:r>
-              <a:rPr lang="en-US" sz="3200" dirty="0">
-                <a:ea typeface="+mn-lt"/>
-                <a:cs typeface="+mn-lt"/>
-              </a:rPr>
-              <a:t>A blockchain is a concept of storing data digitally. </a:t>
-            </a:r>
-            <a:endParaRPr lang="en-US" sz="2000">
-              <a:cs typeface="Calibri"/>
-            </a:endParaRPr>
-          </a:p>
-          <a:p>
-            <a:pPr marL="285750" indent="-285750">
-              <a:buFont typeface="Arial"/>
-              <a:buChar char="•"/>
-            </a:pPr>
-            <a:endParaRPr lang="en-US" sz="3200" dirty="0">
-              <a:ea typeface="+mn-lt"/>
-              <a:cs typeface="+mn-lt"/>
-            </a:endParaRPr>
-          </a:p>
-          <a:p>
-            <a:pPr marL="285750" indent="-285750">
-              <a:buFont typeface="Arial"/>
-              <a:buChar char="•"/>
-            </a:pPr>
-            <a:r>
-              <a:rPr lang="en-US" sz="3200" dirty="0">
-                <a:ea typeface="+mn-lt"/>
-                <a:cs typeface="+mn-lt"/>
-              </a:rPr>
-              <a:t>This data comes in blocks. These blocks are chained together and make the data immutable.</a:t>
-            </a:r>
-            <a:endParaRPr lang="en-US" sz="3200">
-              <a:ea typeface="+mn-lt"/>
-              <a:cs typeface="+mn-lt"/>
-            </a:endParaRPr>
-          </a:p>
-          <a:p>
-            <a:pPr marL="285750" indent="-285750">
-              <a:buFont typeface="Arial"/>
-              <a:buChar char="•"/>
-            </a:pPr>
-            <a:endParaRPr lang="en-US" sz="3200" dirty="0">
-              <a:ea typeface="+mn-lt"/>
-              <a:cs typeface="+mn-lt"/>
-            </a:endParaRPr>
-          </a:p>
-          <a:p>
-            <a:pPr marL="285750" indent="-285750">
-              <a:buFont typeface="Arial"/>
-              <a:buChar char="•"/>
-            </a:pPr>
-            <a:r>
-              <a:rPr lang="en-US" sz="3200" dirty="0">
-                <a:ea typeface="+mn-lt"/>
-                <a:cs typeface="+mn-lt"/>
-              </a:rPr>
-              <a:t> When a block of data is chained with the other blocks, its data can never be changed again. </a:t>
-            </a:r>
-            <a:endParaRPr lang="en-US" sz="3200">
-              <a:cs typeface="Calibri"/>
-            </a:endParaRPr>
-          </a:p>
-        </p:txBody>
-      </p:sp>
-    </p:spTree>
-    <p:extLst>
-      <p:ext uri="{BB962C8B-B14F-4D97-AF65-F5344CB8AC3E}">
-        <p14:creationId xmlns:p14="http://schemas.microsoft.com/office/powerpoint/2010/main" val="1796564731"/>
-      </p:ext>
-    </p:extLst>
-  </p:cSld>
-  <p:clrMapOvr>
-    <a:masterClrMapping/>
-  </p:clrMapOvr>
-</p:sld>
-</file>
-
-<file path=ppt/slides/slide5.xml><?xml version="1.0" encoding="utf-8"?>
-<p:sld xmlns:a="http://schemas.openxmlformats.org/drawingml/2006/main" xmlns:r="http://schemas.openxmlformats.org/officeDocument/2006/relationships" xmlns:p="http://schemas.openxmlformats.org/presentationml/2006/main">
-  <p:cSld>
-    <p:spTree>
-      <p:nvGrpSpPr>
-        <p:cNvPr id="1" name=""/>
-        <p:cNvGrpSpPr/>
-        <p:nvPr/>
-      </p:nvGrpSpPr>
-      <p:grpSpPr>
-        <a:xfrm>
-          <a:off x="0" y="0"/>
-          <a:ext cx="0" cy="0"/>
-          <a:chOff x="0" y="0"/>
-          <a:chExt cx="0" cy="0"/>
-        </a:xfrm>
-      </p:grpSpPr>
-      <p:sp>
-        <p:nvSpPr>
-          <p:cNvPr id="2" name="TextBox 1">
-            <a:extLst>
-              <a:ext uri="{FF2B5EF4-FFF2-40B4-BE49-F238E27FC236}">
                 <a16:creationId xmlns:a16="http://schemas.microsoft.com/office/drawing/2014/main" id="{318951EC-1C16-463A-A702-BBFD8D071A1B}"/>
               </a:ext>
             </a:extLst>
@@ -3922,344 +4993,6 @@
     <p:extLst>
       <p:ext uri="{BB962C8B-B14F-4D97-AF65-F5344CB8AC3E}">
         <p14:creationId xmlns:p14="http://schemas.microsoft.com/office/powerpoint/2010/main" val="2625997948"/>
-      </p:ext>
-    </p:extLst>
-  </p:cSld>
-  <p:clrMapOvr>
-    <a:masterClrMapping/>
-  </p:clrMapOvr>
-</p:sld>
-</file>
-
-<file path=ppt/slides/slide6.xml><?xml version="1.0" encoding="utf-8"?>
-<p:sld xmlns:a="http://schemas.openxmlformats.org/drawingml/2006/main" xmlns:r="http://schemas.openxmlformats.org/officeDocument/2006/relationships" xmlns:p="http://schemas.openxmlformats.org/presentationml/2006/main">
-  <p:cSld>
-    <p:spTree>
-      <p:nvGrpSpPr>
-        <p:cNvPr id="1" name=""/>
-        <p:cNvGrpSpPr/>
-        <p:nvPr/>
-      </p:nvGrpSpPr>
-      <p:grpSpPr>
-        <a:xfrm>
-          <a:off x="0" y="0"/>
-          <a:ext cx="0" cy="0"/>
-          <a:chOff x="0" y="0"/>
-          <a:chExt cx="0" cy="0"/>
-        </a:xfrm>
-      </p:grpSpPr>
-      <p:sp>
-        <p:nvSpPr>
-          <p:cNvPr id="2" name="TextBox 1">
-            <a:extLst>
-              <a:ext uri="{FF2B5EF4-FFF2-40B4-BE49-F238E27FC236}">
-                <a16:creationId xmlns:a16="http://schemas.microsoft.com/office/drawing/2014/main" id="{9BAB4A1D-FE16-4494-9F5C-6B39B7EE36F3}"/>
-              </a:ext>
-            </a:extLst>
-          </p:cNvPr>
-          <p:cNvSpPr txBox="1"/>
-          <p:nvPr/>
-        </p:nvSpPr>
-        <p:spPr>
-          <a:xfrm>
-            <a:off x="339306" y="296174"/>
-            <a:ext cx="7128294" cy="1077218"/>
-          </a:xfrm>
-          <a:prstGeom prst="rect">
-            <a:avLst/>
-          </a:prstGeom>
-          <a:noFill/>
-        </p:spPr>
-        <p:txBody>
-          <a:bodyPr rot="0" spcFirstLastPara="0" vertOverflow="overflow" horzOverflow="overflow" vert="horz" wrap="square" lIns="91440" tIns="45720" rIns="91440" bIns="45720" numCol="1" spcCol="0" rtlCol="0" fromWordArt="0" anchor="t" anchorCtr="0" forceAA="0" compatLnSpc="1">
-            <a:prstTxWarp prst="textNoShape">
-              <a:avLst/>
-            </a:prstTxWarp>
-            <a:spAutoFit/>
-          </a:bodyPr>
-          <a:lstStyle/>
-          <a:p>
-            <a:r>
-              <a:rPr lang="en-US" sz="3200" b="1">
-                <a:ea typeface="+mn-lt"/>
-                <a:cs typeface="+mn-lt"/>
-              </a:rPr>
-              <a:t>Blockchain vs Bitcoin:</a:t>
-            </a:r>
-          </a:p>
-          <a:p>
-            <a:endParaRPr lang="en-US" sz="3200" b="1" dirty="0">
-              <a:cs typeface="Calibri"/>
-            </a:endParaRPr>
-          </a:p>
-        </p:txBody>
-      </p:sp>
-      <p:sp>
-        <p:nvSpPr>
-          <p:cNvPr id="3" name="TextBox 2">
-            <a:extLst>
-              <a:ext uri="{FF2B5EF4-FFF2-40B4-BE49-F238E27FC236}">
-                <a16:creationId xmlns:a16="http://schemas.microsoft.com/office/drawing/2014/main" id="{51F2FDFD-2207-46AA-B81D-2C30E478D6B3}"/>
-              </a:ext>
-            </a:extLst>
-          </p:cNvPr>
-          <p:cNvSpPr txBox="1"/>
-          <p:nvPr/>
-        </p:nvSpPr>
-        <p:spPr>
-          <a:xfrm>
-            <a:off x="339306" y="1230702"/>
-            <a:ext cx="11082067" cy="3539430"/>
-          </a:xfrm>
-          <a:prstGeom prst="rect">
-            <a:avLst/>
-          </a:prstGeom>
-          <a:noFill/>
-        </p:spPr>
-        <p:txBody>
-          <a:bodyPr rot="0" spcFirstLastPara="0" vertOverflow="overflow" horzOverflow="overflow" vert="horz" wrap="square" lIns="91440" tIns="45720" rIns="91440" bIns="45720" numCol="1" spcCol="0" rtlCol="0" fromWordArt="0" anchor="t" anchorCtr="0" forceAA="0" compatLnSpc="1">
-            <a:prstTxWarp prst="textNoShape">
-              <a:avLst/>
-            </a:prstTxWarp>
-            <a:spAutoFit/>
-          </a:bodyPr>
-          <a:lstStyle/>
-          <a:p>
-            <a:pPr marL="285750" indent="-285750">
-              <a:buFont typeface="Arial"/>
-              <a:buChar char="•"/>
-            </a:pPr>
-            <a:r>
-              <a:rPr lang="en-US" sz="3200"/>
-              <a:t>The goal of blockchain is to allow digital information to be recorded and distributed, but not edited. </a:t>
-            </a:r>
-            <a:r>
-              <a:rPr lang="en-US" sz="3200">
-                <a:ea typeface="+mn-lt"/>
-                <a:cs typeface="+mn-lt"/>
-              </a:rPr>
-              <a:t>The Bitcoin protocol is built on the blockchain.</a:t>
-            </a:r>
-          </a:p>
-          <a:p>
-            <a:pPr marL="285750" indent="-285750">
-              <a:buFont typeface="Arial"/>
-              <a:buChar char="•"/>
-            </a:pPr>
-            <a:r>
-              <a:rPr lang="en-US" sz="3200">
-                <a:ea typeface="+mn-lt"/>
-                <a:cs typeface="+mn-lt"/>
-              </a:rPr>
-              <a:t> In a research paper introducing the digital currency, Bitcoin’s pseudonymous creator Satoshi Nakamoto referred to it as “a new electronic cash system that’s fully peer-to-peer, with no trusted third party.”</a:t>
-            </a:r>
-            <a:endParaRPr lang="en-US" sz="3200">
-              <a:cs typeface="Calibri"/>
-            </a:endParaRPr>
-          </a:p>
-        </p:txBody>
-      </p:sp>
-    </p:spTree>
-    <p:extLst>
-      <p:ext uri="{BB962C8B-B14F-4D97-AF65-F5344CB8AC3E}">
-        <p14:creationId xmlns:p14="http://schemas.microsoft.com/office/powerpoint/2010/main" val="1210995152"/>
-      </p:ext>
-    </p:extLst>
-  </p:cSld>
-  <p:clrMapOvr>
-    <a:masterClrMapping/>
-  </p:clrMapOvr>
-</p:sld>
-</file>
-
-<file path=ppt/slides/slide7.xml><?xml version="1.0" encoding="utf-8"?>
-<p:sld xmlns:a="http://schemas.openxmlformats.org/drawingml/2006/main" xmlns:r="http://schemas.openxmlformats.org/officeDocument/2006/relationships" xmlns:p="http://schemas.openxmlformats.org/presentationml/2006/main">
-  <p:cSld>
-    <p:spTree>
-      <p:nvGrpSpPr>
-        <p:cNvPr id="1" name=""/>
-        <p:cNvGrpSpPr/>
-        <p:nvPr/>
-      </p:nvGrpSpPr>
-      <p:grpSpPr>
-        <a:xfrm>
-          <a:off x="0" y="0"/>
-          <a:ext cx="0" cy="0"/>
-          <a:chOff x="0" y="0"/>
-          <a:chExt cx="0" cy="0"/>
-        </a:xfrm>
-      </p:grpSpPr>
-      <p:sp>
-        <p:nvSpPr>
-          <p:cNvPr id="2" name="TextBox 1">
-            <a:extLst>
-              <a:ext uri="{FF2B5EF4-FFF2-40B4-BE49-F238E27FC236}">
-                <a16:creationId xmlns:a16="http://schemas.microsoft.com/office/drawing/2014/main" id="{63B4811A-5A48-451E-B7CA-95F086E9B6EA}"/>
-              </a:ext>
-            </a:extLst>
-          </p:cNvPr>
-          <p:cNvSpPr txBox="1"/>
-          <p:nvPr/>
-        </p:nvSpPr>
-        <p:spPr>
-          <a:xfrm>
-            <a:off x="353684" y="109267"/>
-            <a:ext cx="9989387" cy="4031873"/>
-          </a:xfrm>
-          <a:prstGeom prst="rect">
-            <a:avLst/>
-          </a:prstGeom>
-          <a:noFill/>
-        </p:spPr>
-        <p:txBody>
-          <a:bodyPr rot="0" spcFirstLastPara="0" vertOverflow="overflow" horzOverflow="overflow" vert="horz" wrap="square" lIns="91440" tIns="45720" rIns="91440" bIns="45720" numCol="1" spcCol="0" rtlCol="0" fromWordArt="0" anchor="t" anchorCtr="0" forceAA="0" compatLnSpc="1">
-            <a:prstTxWarp prst="textNoShape">
-              <a:avLst/>
-            </a:prstTxWarp>
-            <a:spAutoFit/>
-          </a:bodyPr>
-          <a:lstStyle/>
-          <a:p>
-            <a:r>
-              <a:rPr lang="en-US" sz="4400" b="1" dirty="0">
-                <a:latin typeface="Calibri Light"/>
-                <a:cs typeface="Calibri Light"/>
-              </a:rPr>
-              <a:t>The key business benefits:</a:t>
-            </a:r>
-          </a:p>
-          <a:p>
-            <a:r>
-              <a:rPr lang="en-US" sz="2400" b="1">
-                <a:ea typeface="+mn-lt"/>
-                <a:cs typeface="+mn-lt"/>
-              </a:rPr>
-              <a:t>•  Time savings</a:t>
-            </a:r>
-            <a:endParaRPr lang="en-US" sz="2400">
-              <a:cs typeface="Calibri"/>
-            </a:endParaRPr>
-          </a:p>
-          <a:p>
-            <a:r>
-              <a:rPr lang="en-US" sz="2400" dirty="0">
-                <a:ea typeface="+mn-lt"/>
-                <a:cs typeface="+mn-lt"/>
-              </a:rPr>
-              <a:t>•  </a:t>
-            </a:r>
-            <a:r>
-              <a:rPr lang="en-US" sz="2400" b="1">
-                <a:ea typeface="+mn-lt"/>
-                <a:cs typeface="+mn-lt"/>
-              </a:rPr>
-              <a:t>Cost savings</a:t>
-            </a:r>
-            <a:endParaRPr lang="en-US" sz="2400">
-              <a:cs typeface="Calibri"/>
-            </a:endParaRPr>
-          </a:p>
-          <a:p>
-            <a:r>
-              <a:rPr lang="en-US" sz="2400" dirty="0">
-                <a:ea typeface="+mn-lt"/>
-                <a:cs typeface="+mn-lt"/>
-              </a:rPr>
-              <a:t>•  </a:t>
-            </a:r>
-            <a:r>
-              <a:rPr lang="en-US" sz="2400" b="1">
-                <a:ea typeface="+mn-lt"/>
-                <a:cs typeface="+mn-lt"/>
-              </a:rPr>
-              <a:t>Tighter security</a:t>
-            </a:r>
-            <a:endParaRPr lang="en-US" sz="2400">
-              <a:cs typeface="Calibri"/>
-            </a:endParaRPr>
-          </a:p>
-          <a:p>
-            <a:r>
-              <a:rPr lang="en-US" sz="2400" dirty="0">
-                <a:ea typeface="+mn-lt"/>
-                <a:cs typeface="+mn-lt"/>
-              </a:rPr>
-              <a:t>•  </a:t>
-            </a:r>
-            <a:r>
-              <a:rPr lang="en-US" sz="2400" b="1">
-                <a:ea typeface="+mn-lt"/>
-                <a:cs typeface="+mn-lt"/>
-              </a:rPr>
-              <a:t>Enhanced privacy</a:t>
-            </a:r>
-            <a:endParaRPr lang="en-US" sz="2400">
-              <a:cs typeface="Calibri"/>
-            </a:endParaRPr>
-          </a:p>
-          <a:p>
-            <a:r>
-              <a:rPr lang="en-US" sz="2400" dirty="0">
-                <a:ea typeface="+mn-lt"/>
-                <a:cs typeface="+mn-lt"/>
-              </a:rPr>
-              <a:t>•  </a:t>
-            </a:r>
-            <a:r>
-              <a:rPr lang="en-US" sz="2400" b="1">
-                <a:ea typeface="+mn-lt"/>
-                <a:cs typeface="+mn-lt"/>
-              </a:rPr>
-              <a:t>Improved auditability</a:t>
-            </a:r>
-            <a:endParaRPr lang="en-US" sz="2400">
-              <a:cs typeface="Calibri"/>
-            </a:endParaRPr>
-          </a:p>
-          <a:p>
-            <a:r>
-              <a:rPr lang="en-US" sz="2400" dirty="0">
-                <a:ea typeface="+mn-lt"/>
-                <a:cs typeface="+mn-lt"/>
-              </a:rPr>
-              <a:t>•  </a:t>
-            </a:r>
-            <a:r>
-              <a:rPr lang="en-US" sz="2400" b="1">
-                <a:ea typeface="+mn-lt"/>
-                <a:cs typeface="+mn-lt"/>
-              </a:rPr>
-              <a:t>Increased operational efficiency</a:t>
-            </a:r>
-            <a:r>
-              <a:rPr lang="en-US" sz="2400" dirty="0">
-                <a:ea typeface="+mn-lt"/>
-                <a:cs typeface="+mn-lt"/>
-              </a:rPr>
-              <a:t> </a:t>
-            </a:r>
-            <a:endParaRPr lang="en-US" sz="2400" dirty="0">
-              <a:cs typeface="Calibri"/>
-            </a:endParaRPr>
-          </a:p>
-          <a:p>
-            <a:endParaRPr lang="en-US" sz="2400" b="1" dirty="0">
-              <a:latin typeface="Calibri Light"/>
-              <a:cs typeface="Calibri Light"/>
-            </a:endParaRPr>
-          </a:p>
-          <a:p>
-            <a:endParaRPr lang="en-US" sz="4400" b="1" dirty="0">
-              <a:latin typeface="Calibri Light"/>
-              <a:cs typeface="Calibri Light"/>
-            </a:endParaRPr>
-          </a:p>
-        </p:txBody>
-      </p:sp>
-    </p:spTree>
-    <p:extLst>
-      <p:ext uri="{BB962C8B-B14F-4D97-AF65-F5344CB8AC3E}">
-        <p14:creationId xmlns:p14="http://schemas.microsoft.com/office/powerpoint/2010/main" val="536258401"/>
       </p:ext>
     </p:extLst>
   </p:cSld>
